--- a/Presentation.pptx
+++ b/Presentation.pptx
@@ -16,7 +16,8 @@
     <p:sldId id="266" r:id="rId10"/>
     <p:sldId id="267" r:id="rId11"/>
     <p:sldId id="268" r:id="rId12"/>
-    <p:sldId id="261" r:id="rId13"/>
+    <p:sldId id="270" r:id="rId13"/>
+    <p:sldId id="261" r:id="rId14"/>
   </p:sldIdLst>
   <p:sldSz cx="12192000" cy="6858000"/>
   <p:notesSz cx="6858000" cy="9144000"/>
@@ -868,7 +869,7 @@
           <a:p>
             <a:fld id="{0A238802-884A-4982-B05B-1F5858F5BB7C}" type="datetimeFigureOut">
               <a:rPr lang="en-US" smtClean="0"/>
-              <a:t>5/6/2015</a:t>
+              <a:t>5/7/2015</a:t>
             </a:fld>
             <a:endParaRPr lang="en-US"/>
           </a:p>
@@ -1119,7 +1120,7 @@
           <a:p>
             <a:fld id="{0A238802-884A-4982-B05B-1F5858F5BB7C}" type="datetimeFigureOut">
               <a:rPr lang="en-US" smtClean="0"/>
-              <a:t>5/6/2015</a:t>
+              <a:t>5/7/2015</a:t>
             </a:fld>
             <a:endParaRPr lang="en-US"/>
           </a:p>
@@ -1433,7 +1434,7 @@
           <a:p>
             <a:fld id="{0A238802-884A-4982-B05B-1F5858F5BB7C}" type="datetimeFigureOut">
               <a:rPr lang="en-US" smtClean="0"/>
-              <a:t>5/6/2015</a:t>
+              <a:t>5/7/2015</a:t>
             </a:fld>
             <a:endParaRPr lang="en-US"/>
           </a:p>
@@ -1766,7 +1767,7 @@
           <a:p>
             <a:fld id="{0A238802-884A-4982-B05B-1F5858F5BB7C}" type="datetimeFigureOut">
               <a:rPr lang="en-US" smtClean="0"/>
-              <a:t>5/6/2015</a:t>
+              <a:t>5/7/2015</a:t>
             </a:fld>
             <a:endParaRPr lang="en-US"/>
           </a:p>
@@ -2080,7 +2081,7 @@
           <a:p>
             <a:fld id="{0A238802-884A-4982-B05B-1F5858F5BB7C}" type="datetimeFigureOut">
               <a:rPr lang="en-US" smtClean="0"/>
-              <a:t>5/6/2015</a:t>
+              <a:t>5/7/2015</a:t>
             </a:fld>
             <a:endParaRPr lang="en-US"/>
           </a:p>
@@ -2473,7 +2474,7 @@
           <a:p>
             <a:fld id="{0A238802-884A-4982-B05B-1F5858F5BB7C}" type="datetimeFigureOut">
               <a:rPr lang="en-US" smtClean="0"/>
-              <a:t>5/6/2015</a:t>
+              <a:t>5/7/2015</a:t>
             </a:fld>
             <a:endParaRPr lang="en-US"/>
           </a:p>
@@ -2643,7 +2644,7 @@
           <a:p>
             <a:fld id="{0A238802-884A-4982-B05B-1F5858F5BB7C}" type="datetimeFigureOut">
               <a:rPr lang="en-US" smtClean="0"/>
-              <a:t>5/6/2015</a:t>
+              <a:t>5/7/2015</a:t>
             </a:fld>
             <a:endParaRPr lang="en-US"/>
           </a:p>
@@ -2823,7 +2824,7 @@
           <a:p>
             <a:fld id="{0A238802-884A-4982-B05B-1F5858F5BB7C}" type="datetimeFigureOut">
               <a:rPr lang="en-US" smtClean="0"/>
-              <a:t>5/6/2015</a:t>
+              <a:t>5/7/2015</a:t>
             </a:fld>
             <a:endParaRPr lang="en-US"/>
           </a:p>
@@ -2993,7 +2994,7 @@
           <a:p>
             <a:fld id="{0A238802-884A-4982-B05B-1F5858F5BB7C}" type="datetimeFigureOut">
               <a:rPr lang="en-US" smtClean="0"/>
-              <a:t>5/6/2015</a:t>
+              <a:t>5/7/2015</a:t>
             </a:fld>
             <a:endParaRPr lang="en-US"/>
           </a:p>
@@ -3240,7 +3241,7 @@
           <a:p>
             <a:fld id="{0A238802-884A-4982-B05B-1F5858F5BB7C}" type="datetimeFigureOut">
               <a:rPr lang="en-US" smtClean="0"/>
-              <a:t>5/6/2015</a:t>
+              <a:t>5/7/2015</a:t>
             </a:fld>
             <a:endParaRPr lang="en-US"/>
           </a:p>
@@ -3472,7 +3473,7 @@
           <a:p>
             <a:fld id="{0A238802-884A-4982-B05B-1F5858F5BB7C}" type="datetimeFigureOut">
               <a:rPr lang="en-US" smtClean="0"/>
-              <a:t>5/6/2015</a:t>
+              <a:t>5/7/2015</a:t>
             </a:fld>
             <a:endParaRPr lang="en-US"/>
           </a:p>
@@ -3846,7 +3847,7 @@
           <a:p>
             <a:fld id="{0A238802-884A-4982-B05B-1F5858F5BB7C}" type="datetimeFigureOut">
               <a:rPr lang="en-US" smtClean="0"/>
-              <a:t>5/6/2015</a:t>
+              <a:t>5/7/2015</a:t>
             </a:fld>
             <a:endParaRPr lang="en-US"/>
           </a:p>
@@ -3969,7 +3970,7 @@
           <a:p>
             <a:fld id="{0A238802-884A-4982-B05B-1F5858F5BB7C}" type="datetimeFigureOut">
               <a:rPr lang="en-US" smtClean="0"/>
-              <a:t>5/6/2015</a:t>
+              <a:t>5/7/2015</a:t>
             </a:fld>
             <a:endParaRPr lang="en-US"/>
           </a:p>
@@ -4064,7 +4065,7 @@
           <a:p>
             <a:fld id="{0A238802-884A-4982-B05B-1F5858F5BB7C}" type="datetimeFigureOut">
               <a:rPr lang="en-US" smtClean="0"/>
-              <a:t>5/6/2015</a:t>
+              <a:t>5/7/2015</a:t>
             </a:fld>
             <a:endParaRPr lang="en-US"/>
           </a:p>
@@ -4319,7 +4320,7 @@
           <a:p>
             <a:fld id="{0A238802-884A-4982-B05B-1F5858F5BB7C}" type="datetimeFigureOut">
               <a:rPr lang="en-US" smtClean="0"/>
-              <a:t>5/6/2015</a:t>
+              <a:t>5/7/2015</a:t>
             </a:fld>
             <a:endParaRPr lang="en-US"/>
           </a:p>
@@ -4624,7 +4625,7 @@
           <a:p>
             <a:fld id="{0A238802-884A-4982-B05B-1F5858F5BB7C}" type="datetimeFigureOut">
               <a:rPr lang="en-US" smtClean="0"/>
-              <a:t>5/6/2015</a:t>
+              <a:t>5/7/2015</a:t>
             </a:fld>
             <a:endParaRPr lang="en-US"/>
           </a:p>
@@ -5326,7 +5327,7 @@
           <a:p>
             <a:fld id="{0A238802-884A-4982-B05B-1F5858F5BB7C}" type="datetimeFigureOut">
               <a:rPr lang="en-US" smtClean="0"/>
-              <a:t>5/6/2015</a:t>
+              <a:t>5/7/2015</a:t>
             </a:fld>
             <a:endParaRPr lang="en-US"/>
           </a:p>
@@ -6267,6 +6268,181 @@
           <a:p>
             <a:r>
               <a:rPr lang="en-US" dirty="0" smtClean="0"/>
+              <a:t>Threshold limiting</a:t>
+            </a:r>
+            <a:endParaRPr lang="en-US" dirty="0"/>
+          </a:p>
+        </p:txBody>
+      </p:sp>
+      <p:pic>
+        <p:nvPicPr>
+          <p:cNvPr id="5" name="Content Placeholder 4"/>
+          <p:cNvPicPr>
+            <a:picLocks noGrp="1" noChangeAspect="1"/>
+          </p:cNvPicPr>
+          <p:nvPr>
+            <p:ph sz="half" idx="1"/>
+          </p:nvPr>
+        </p:nvPicPr>
+        <p:blipFill>
+          <a:blip r:embed="rId2" cstate="print">
+            <a:extLst>
+              <a:ext uri="{28A0092B-C50C-407E-A947-70E740481C1C}">
+                <a14:useLocalDpi xmlns:a14="http://schemas.microsoft.com/office/drawing/2010/main" val="0"/>
+              </a:ext>
+            </a:extLst>
+          </a:blip>
+          <a:stretch>
+            <a:fillRect/>
+          </a:stretch>
+        </p:blipFill>
+        <p:spPr>
+          <a:xfrm>
+            <a:off x="6198770" y="2338382"/>
+            <a:ext cx="5486400" cy="3747439"/>
+          </a:xfrm>
+        </p:spPr>
+      </p:pic>
+      <p:pic>
+        <p:nvPicPr>
+          <p:cNvPr id="6" name="Content Placeholder 5"/>
+          <p:cNvPicPr>
+            <a:picLocks noGrp="1" noChangeAspect="1"/>
+          </p:cNvPicPr>
+          <p:nvPr>
+            <p:ph sz="half" idx="2"/>
+          </p:nvPr>
+        </p:nvPicPr>
+        <p:blipFill>
+          <a:blip r:embed="rId3" cstate="print">
+            <a:extLst>
+              <a:ext uri="{28A0092B-C50C-407E-A947-70E740481C1C}">
+                <a14:useLocalDpi xmlns:a14="http://schemas.microsoft.com/office/drawing/2010/main" val="0"/>
+              </a:ext>
+            </a:extLst>
+          </a:blip>
+          <a:stretch>
+            <a:fillRect/>
+          </a:stretch>
+        </p:blipFill>
+        <p:spPr>
+          <a:xfrm>
+            <a:off x="267358" y="2338382"/>
+            <a:ext cx="5788857" cy="3747439"/>
+          </a:xfrm>
+        </p:spPr>
+      </p:pic>
+      <p:sp>
+        <p:nvSpPr>
+          <p:cNvPr id="7" name="TextBox 6"/>
+          <p:cNvSpPr txBox="1"/>
+          <p:nvPr/>
+        </p:nvSpPr>
+        <p:spPr>
+          <a:xfrm>
+            <a:off x="388189" y="1820174"/>
+            <a:ext cx="2013693" cy="369332"/>
+          </a:xfrm>
+          <a:prstGeom prst="rect">
+            <a:avLst/>
+          </a:prstGeom>
+          <a:noFill/>
+        </p:spPr>
+        <p:txBody>
+          <a:bodyPr wrap="none" rtlCol="0">
+            <a:spAutoFit/>
+          </a:bodyPr>
+          <a:lstStyle/>
+          <a:p>
+            <a:r>
+              <a:rPr lang="en-US" dirty="0" err="1" smtClean="0"/>
+              <a:t>Bandpass</a:t>
+            </a:r>
+            <a:r>
+              <a:rPr lang="en-US" dirty="0" smtClean="0"/>
+              <a:t> Filtered</a:t>
+            </a:r>
+            <a:endParaRPr lang="en-US" dirty="0"/>
+          </a:p>
+        </p:txBody>
+      </p:sp>
+      <p:sp>
+        <p:nvSpPr>
+          <p:cNvPr id="8" name="TextBox 7"/>
+          <p:cNvSpPr txBox="1"/>
+          <p:nvPr/>
+        </p:nvSpPr>
+        <p:spPr>
+          <a:xfrm>
+            <a:off x="6357668" y="1820174"/>
+            <a:ext cx="2007281" cy="369332"/>
+          </a:xfrm>
+          <a:prstGeom prst="rect">
+            <a:avLst/>
+          </a:prstGeom>
+          <a:noFill/>
+        </p:spPr>
+        <p:txBody>
+          <a:bodyPr wrap="none" rtlCol="0">
+            <a:spAutoFit/>
+          </a:bodyPr>
+          <a:lstStyle/>
+          <a:p>
+            <a:r>
+              <a:rPr lang="en-US" dirty="0" smtClean="0"/>
+              <a:t>Threshold limited</a:t>
+            </a:r>
+            <a:endParaRPr lang="en-US" dirty="0"/>
+          </a:p>
+        </p:txBody>
+      </p:sp>
+    </p:spTree>
+    <p:extLst>
+      <p:ext uri="{BB962C8B-B14F-4D97-AF65-F5344CB8AC3E}">
+        <p14:creationId xmlns:p14="http://schemas.microsoft.com/office/powerpoint/2010/main" val="4199187805"/>
+      </p:ext>
+    </p:extLst>
+  </p:cSld>
+  <p:clrMapOvr>
+    <a:masterClrMapping/>
+  </p:clrMapOvr>
+</p:sld>
+</file>
+
+<file path=ppt/slides/slide13.xml><?xml version="1.0" encoding="utf-8"?>
+<p:sld xmlns:a="http://schemas.openxmlformats.org/drawingml/2006/main" xmlns:r="http://schemas.openxmlformats.org/officeDocument/2006/relationships" xmlns:p="http://schemas.openxmlformats.org/presentationml/2006/main">
+  <p:cSld>
+    <p:spTree>
+      <p:nvGrpSpPr>
+        <p:cNvPr id="1" name=""/>
+        <p:cNvGrpSpPr/>
+        <p:nvPr/>
+      </p:nvGrpSpPr>
+      <p:grpSpPr>
+        <a:xfrm>
+          <a:off x="0" y="0"/>
+          <a:ext cx="0" cy="0"/>
+          <a:chOff x="0" y="0"/>
+          <a:chExt cx="0" cy="0"/>
+        </a:xfrm>
+      </p:grpSpPr>
+      <p:sp>
+        <p:nvSpPr>
+          <p:cNvPr id="2" name="Title 1"/>
+          <p:cNvSpPr>
+            <a:spLocks noGrp="1"/>
+          </p:cNvSpPr>
+          <p:nvPr>
+            <p:ph type="title"/>
+          </p:nvPr>
+        </p:nvSpPr>
+        <p:spPr/>
+        <p:txBody>
+          <a:bodyPr/>
+          <a:lstStyle/>
+          <a:p>
+            <a:r>
+              <a:rPr lang="en-US" dirty="0" smtClean="0"/>
               <a:t>Conclusions</a:t>
             </a:r>
             <a:endParaRPr lang="en-US" dirty="0"/>
@@ -6329,11 +6505,7 @@
             </a:r>
             <a:r>
               <a:rPr lang="en-US" dirty="0" smtClean="0"/>
-              <a:t>, for noise estimation</a:t>
-            </a:r>
-            <a:r>
-              <a:rPr lang="en-US" dirty="0" smtClean="0"/>
-              <a:t>. </a:t>
+              <a:t>, for noise estimation. </a:t>
             </a:r>
             <a:r>
               <a:rPr lang="en-US" sz="800" dirty="0"/>
@@ -6344,15 +6516,15 @@
           <a:p>
             <a:r>
               <a:rPr lang="en-US" dirty="0" smtClean="0"/>
-              <a:t>Equalization can become complex due to inverting small value of the </a:t>
-            </a:r>
-            <a:r>
-              <a:rPr lang="en-US" dirty="0" err="1" smtClean="0"/>
-              <a:t>chanel</a:t>
+              <a:t>Equalization can become complex due to inverting small value of </a:t>
+            </a:r>
+            <a:r>
+              <a:rPr lang="en-US" smtClean="0"/>
+              <a:t>the channel </a:t>
             </a:r>
             <a:r>
               <a:rPr lang="en-US" dirty="0" smtClean="0"/>
-              <a:t> transfer function that result in extreme signal gains.</a:t>
+              <a:t>transfer function that result in extreme signal gains.</a:t>
             </a:r>
           </a:p>
           <a:p>
@@ -6360,7 +6532,6 @@
               <a:rPr lang="en-US" dirty="0" smtClean="0"/>
               <a:t>Finally, it can be concluded that simple mathematical models do not always work when applying them to more complex real world systems.</a:t>
             </a:r>
-            <a:endParaRPr lang="en-US" dirty="0" smtClean="0"/>
           </a:p>
           <a:p>
             <a:pPr marL="0" indent="0">
@@ -6886,7 +7057,7 @@
               <a:p>
                 <a:r>
                   <a:rPr lang="en-US" sz="2000" dirty="0" smtClean="0"/>
-                  <a:t>Isolate voice band with band pass</a:t>
+                  <a:t>Isolate voice band with band pass filter</a:t>
                 </a:r>
               </a:p>
               <a:p>
